--- a/Matches/USPSA - Renton - October 2020 - Trigger Treat/Bay 1 - Sunday Scare.pptx
+++ b/Matches/USPSA - Renton - October 2020 - Trigger Treat/Bay 1 - Sunday Scare.pptx
@@ -7866,7 +7866,7 @@
           <p:nvPr>
             <p:extLst>
               <p:ext uri="{D42A27DB-BD31-4B8C-83A1-F6EECF244321}">
-                <p14:modId xmlns:p14="http://schemas.microsoft.com/office/powerpoint/2010/main" val="339476417"/>
+                <p14:modId xmlns:p14="http://schemas.microsoft.com/office/powerpoint/2010/main" val="293703541"/>
               </p:ext>
             </p:extLst>
           </p:nvPr>
@@ -8708,7 +8708,35 @@
                           <a:latin typeface="Arial" charset="0"/>
                           <a:cs typeface="Times New Roman" charset="0"/>
                         </a:rPr>
-                        <a:t>	   13 metric, 2 steel</a:t>
+                        <a:t>	   13 metric</a:t>
+                      </a:r>
+                      <a:r>
+                        <a:rPr kumimoji="0" lang="en-US" sz="1100" b="0" i="0" u="none" strike="noStrike" cap="none" normalizeH="0" baseline="0">
+                          <a:ln>
+                            <a:noFill/>
+                          </a:ln>
+                          <a:solidFill>
+                            <a:schemeClr val="tx1"/>
+                          </a:solidFill>
+                          <a:effectLst/>
+                          <a:latin typeface="Arial" charset="0"/>
+                          <a:cs typeface="Times New Roman" charset="0"/>
+                        </a:rPr>
+                        <a:t>, 3 </a:t>
+                      </a:r>
+                      <a:r>
+                        <a:rPr kumimoji="0" lang="en-US" sz="1100" b="0" i="0" u="none" strike="noStrike" cap="none" normalizeH="0" baseline="0" dirty="0">
+                          <a:ln>
+                            <a:noFill/>
+                          </a:ln>
+                          <a:solidFill>
+                            <a:schemeClr val="tx1"/>
+                          </a:solidFill>
+                          <a:effectLst/>
+                          <a:latin typeface="Arial" charset="0"/>
+                          <a:cs typeface="Times New Roman" charset="0"/>
+                        </a:rPr>
+                        <a:t>steel</a:t>
                       </a:r>
                     </a:p>
                     <a:p>
